--- a/16_Nlp/NLP.pptx
+++ b/16_Nlp/NLP.pptx
@@ -21,6 +21,23 @@
     <p:sldId id="269" r:id="rId15"/>
     <p:sldId id="270" r:id="rId16"/>
     <p:sldId id="271" r:id="rId17"/>
+    <p:sldId id="272" r:id="rId18"/>
+    <p:sldId id="273" r:id="rId19"/>
+    <p:sldId id="274" r:id="rId20"/>
+    <p:sldId id="275" r:id="rId21"/>
+    <p:sldId id="276" r:id="rId22"/>
+    <p:sldId id="277" r:id="rId23"/>
+    <p:sldId id="278" r:id="rId24"/>
+    <p:sldId id="279" r:id="rId25"/>
+    <p:sldId id="280" r:id="rId26"/>
+    <p:sldId id="281" r:id="rId27"/>
+    <p:sldId id="282" r:id="rId28"/>
+    <p:sldId id="283" r:id="rId29"/>
+    <p:sldId id="284" r:id="rId30"/>
+    <p:sldId id="285" r:id="rId31"/>
+    <p:sldId id="286" r:id="rId32"/>
+    <p:sldId id="287" r:id="rId33"/>
+    <p:sldId id="288" r:id="rId34"/>
   </p:sldIdLst>
   <p:sldSz cx="12192000" cy="6858000"/>
   <p:notesSz cx="6858000" cy="9144000"/>
@@ -119,6 +136,11 @@
       </a:defRPr>
     </a:lvl9pPr>
   </p:defaultTextStyle>
+  <p:extLst>
+    <p:ext uri="{EFAFB233-063F-42B5-8137-9DF3F51BA10A}">
+      <p15:sldGuideLst xmlns:p15="http://schemas.microsoft.com/office/powerpoint/2012/main"/>
+    </p:ext>
+  </p:extLst>
 </p:presentation>
 </file>
 
@@ -4077,6 +4099,291 @@
 </p:sld>
 </file>
 
+<file path=ppt/slides/slide17.xml><?xml version="1.0" encoding="utf-8"?>
+<p:sld xmlns:a="http://schemas.openxmlformats.org/drawingml/2006/main" xmlns:r="http://schemas.openxmlformats.org/officeDocument/2006/relationships" xmlns:p="http://schemas.openxmlformats.org/presentationml/2006/main">
+  <p:cSld>
+    <p:spTree>
+      <p:nvGrpSpPr>
+        <p:cNvPr id="1" name=""/>
+        <p:cNvGrpSpPr/>
+        <p:nvPr/>
+      </p:nvGrpSpPr>
+      <p:grpSpPr>
+        <a:xfrm>
+          <a:off x="0" y="0"/>
+          <a:ext cx="0" cy="0"/>
+          <a:chOff x="0" y="0"/>
+          <a:chExt cx="0" cy="0"/>
+        </a:xfrm>
+      </p:grpSpPr>
+      <p:sp>
+        <p:nvSpPr>
+          <p:cNvPr id="2" name="Title 1">
+            <a:extLst>
+              <a:ext uri="{FF2B5EF4-FFF2-40B4-BE49-F238E27FC236}">
+                <a16:creationId xmlns:a16="http://schemas.microsoft.com/office/drawing/2014/main" id="{EB133F81-6230-4268-9777-53D5D52AE1C1}"/>
+              </a:ext>
+            </a:extLst>
+          </p:cNvPr>
+          <p:cNvSpPr>
+            <a:spLocks noGrp="1"/>
+          </p:cNvSpPr>
+          <p:nvPr>
+            <p:ph type="ctrTitle"/>
+          </p:nvPr>
+        </p:nvSpPr>
+        <p:spPr>
+          <a:xfrm>
+            <a:off x="1523999" y="189110"/>
+            <a:ext cx="10165238" cy="1130643"/>
+          </a:xfrm>
+        </p:spPr>
+        <p:txBody>
+          <a:bodyPr>
+            <a:normAutofit/>
+          </a:bodyPr>
+          <a:lstStyle/>
+          <a:p>
+            <a:r>
+              <a:rPr lang="en-US" sz="3600" dirty="0"/>
+              <a:t>Sol of Limitation of Bag-Of-Words</a:t>
+            </a:r>
+          </a:p>
+        </p:txBody>
+      </p:sp>
+      <p:pic>
+        <p:nvPicPr>
+          <p:cNvPr id="4" name="Picture 3">
+            <a:extLst>
+              <a:ext uri="{FF2B5EF4-FFF2-40B4-BE49-F238E27FC236}">
+                <a16:creationId xmlns:a16="http://schemas.microsoft.com/office/drawing/2014/main" id="{0075FDCA-FEE3-4B06-89E1-1587C8F44953}"/>
+              </a:ext>
+            </a:extLst>
+          </p:cNvPr>
+          <p:cNvPicPr>
+            <a:picLocks noChangeAspect="1"/>
+          </p:cNvPicPr>
+          <p:nvPr/>
+        </p:nvPicPr>
+        <p:blipFill>
+          <a:blip r:embed="rId2"/>
+          <a:stretch>
+            <a:fillRect/>
+          </a:stretch>
+        </p:blipFill>
+        <p:spPr>
+          <a:xfrm>
+            <a:off x="4724400" y="2105025"/>
+            <a:ext cx="2743200" cy="2647950"/>
+          </a:xfrm>
+          <a:prstGeom prst="rect">
+            <a:avLst/>
+          </a:prstGeom>
+        </p:spPr>
+      </p:pic>
+    </p:spTree>
+    <p:extLst>
+      <p:ext uri="{BB962C8B-B14F-4D97-AF65-F5344CB8AC3E}">
+        <p14:creationId xmlns:p14="http://schemas.microsoft.com/office/powerpoint/2010/main" val="707593976"/>
+      </p:ext>
+    </p:extLst>
+  </p:cSld>
+  <p:clrMapOvr>
+    <a:masterClrMapping/>
+  </p:clrMapOvr>
+</p:sld>
+</file>
+
+<file path=ppt/slides/slide18.xml><?xml version="1.0" encoding="utf-8"?>
+<p:sld xmlns:a="http://schemas.openxmlformats.org/drawingml/2006/main" xmlns:r="http://schemas.openxmlformats.org/officeDocument/2006/relationships" xmlns:p="http://schemas.openxmlformats.org/presentationml/2006/main">
+  <p:cSld>
+    <p:spTree>
+      <p:nvGrpSpPr>
+        <p:cNvPr id="1" name=""/>
+        <p:cNvGrpSpPr/>
+        <p:nvPr/>
+      </p:nvGrpSpPr>
+      <p:grpSpPr>
+        <a:xfrm>
+          <a:off x="0" y="0"/>
+          <a:ext cx="0" cy="0"/>
+          <a:chOff x="0" y="0"/>
+          <a:chExt cx="0" cy="0"/>
+        </a:xfrm>
+      </p:grpSpPr>
+      <p:sp>
+        <p:nvSpPr>
+          <p:cNvPr id="2" name="Title 1">
+            <a:extLst>
+              <a:ext uri="{FF2B5EF4-FFF2-40B4-BE49-F238E27FC236}">
+                <a16:creationId xmlns:a16="http://schemas.microsoft.com/office/drawing/2014/main" id="{EB133F81-6230-4268-9777-53D5D52AE1C1}"/>
+              </a:ext>
+            </a:extLst>
+          </p:cNvPr>
+          <p:cNvSpPr>
+            <a:spLocks noGrp="1"/>
+          </p:cNvSpPr>
+          <p:nvPr>
+            <p:ph type="ctrTitle"/>
+          </p:nvPr>
+        </p:nvSpPr>
+        <p:spPr>
+          <a:xfrm>
+            <a:off x="1523999" y="189110"/>
+            <a:ext cx="10165238" cy="1130643"/>
+          </a:xfrm>
+        </p:spPr>
+        <p:txBody>
+          <a:bodyPr>
+            <a:normAutofit/>
+          </a:bodyPr>
+          <a:lstStyle/>
+          <a:p>
+            <a:r>
+              <a:rPr lang="en-US" sz="3600" dirty="0"/>
+              <a:t>What is RNN?</a:t>
+            </a:r>
+          </a:p>
+        </p:txBody>
+      </p:sp>
+      <p:pic>
+        <p:nvPicPr>
+          <p:cNvPr id="6" name="Picture 5">
+            <a:extLst>
+              <a:ext uri="{FF2B5EF4-FFF2-40B4-BE49-F238E27FC236}">
+                <a16:creationId xmlns:a16="http://schemas.microsoft.com/office/drawing/2014/main" id="{9BAC6B29-B171-4D8A-AC65-F1DD6B98E1E4}"/>
+              </a:ext>
+            </a:extLst>
+          </p:cNvPr>
+          <p:cNvPicPr>
+            <a:picLocks noChangeAspect="1"/>
+          </p:cNvPicPr>
+          <p:nvPr/>
+        </p:nvPicPr>
+        <p:blipFill>
+          <a:blip r:embed="rId2"/>
+          <a:stretch>
+            <a:fillRect/>
+          </a:stretch>
+        </p:blipFill>
+        <p:spPr>
+          <a:xfrm>
+            <a:off x="2547937" y="1323975"/>
+            <a:ext cx="7096125" cy="4210050"/>
+          </a:xfrm>
+          <a:prstGeom prst="rect">
+            <a:avLst/>
+          </a:prstGeom>
+        </p:spPr>
+      </p:pic>
+    </p:spTree>
+    <p:extLst>
+      <p:ext uri="{BB962C8B-B14F-4D97-AF65-F5344CB8AC3E}">
+        <p14:creationId xmlns:p14="http://schemas.microsoft.com/office/powerpoint/2010/main" val="1874082794"/>
+      </p:ext>
+    </p:extLst>
+  </p:cSld>
+  <p:clrMapOvr>
+    <a:masterClrMapping/>
+  </p:clrMapOvr>
+</p:sld>
+</file>
+
+<file path=ppt/slides/slide19.xml><?xml version="1.0" encoding="utf-8"?>
+<p:sld xmlns:a="http://schemas.openxmlformats.org/drawingml/2006/main" xmlns:r="http://schemas.openxmlformats.org/officeDocument/2006/relationships" xmlns:p="http://schemas.openxmlformats.org/presentationml/2006/main">
+  <p:cSld>
+    <p:spTree>
+      <p:nvGrpSpPr>
+        <p:cNvPr id="1" name=""/>
+        <p:cNvGrpSpPr/>
+        <p:nvPr/>
+      </p:nvGrpSpPr>
+      <p:grpSpPr>
+        <a:xfrm>
+          <a:off x="0" y="0"/>
+          <a:ext cx="0" cy="0"/>
+          <a:chOff x="0" y="0"/>
+          <a:chExt cx="0" cy="0"/>
+        </a:xfrm>
+      </p:grpSpPr>
+      <p:sp>
+        <p:nvSpPr>
+          <p:cNvPr id="2" name="Title 1">
+            <a:extLst>
+              <a:ext uri="{FF2B5EF4-FFF2-40B4-BE49-F238E27FC236}">
+                <a16:creationId xmlns:a16="http://schemas.microsoft.com/office/drawing/2014/main" id="{EB133F81-6230-4268-9777-53D5D52AE1C1}"/>
+              </a:ext>
+            </a:extLst>
+          </p:cNvPr>
+          <p:cNvSpPr>
+            <a:spLocks noGrp="1"/>
+          </p:cNvSpPr>
+          <p:nvPr>
+            <p:ph type="ctrTitle"/>
+          </p:nvPr>
+        </p:nvSpPr>
+        <p:spPr>
+          <a:xfrm>
+            <a:off x="1523999" y="189110"/>
+            <a:ext cx="10165238" cy="1130643"/>
+          </a:xfrm>
+        </p:spPr>
+        <p:txBody>
+          <a:bodyPr>
+            <a:normAutofit/>
+          </a:bodyPr>
+          <a:lstStyle/>
+          <a:p>
+            <a:r>
+              <a:rPr lang="en-US" sz="3600" dirty="0"/>
+              <a:t>What is RNN?</a:t>
+            </a:r>
+          </a:p>
+        </p:txBody>
+      </p:sp>
+      <p:pic>
+        <p:nvPicPr>
+          <p:cNvPr id="3" name="Picture 2">
+            <a:extLst>
+              <a:ext uri="{FF2B5EF4-FFF2-40B4-BE49-F238E27FC236}">
+                <a16:creationId xmlns:a16="http://schemas.microsoft.com/office/drawing/2014/main" id="{1047636B-FA66-4FC1-9778-2078B5BEDA36}"/>
+              </a:ext>
+            </a:extLst>
+          </p:cNvPr>
+          <p:cNvPicPr>
+            <a:picLocks noChangeAspect="1"/>
+          </p:cNvPicPr>
+          <p:nvPr/>
+        </p:nvPicPr>
+        <p:blipFill>
+          <a:blip r:embed="rId2"/>
+          <a:stretch>
+            <a:fillRect/>
+          </a:stretch>
+        </p:blipFill>
+        <p:spPr>
+          <a:xfrm>
+            <a:off x="2551423" y="1668545"/>
+            <a:ext cx="8599075" cy="4353170"/>
+          </a:xfrm>
+          <a:prstGeom prst="rect">
+            <a:avLst/>
+          </a:prstGeom>
+        </p:spPr>
+      </p:pic>
+    </p:spTree>
+    <p:extLst>
+      <p:ext uri="{BB962C8B-B14F-4D97-AF65-F5344CB8AC3E}">
+        <p14:creationId xmlns:p14="http://schemas.microsoft.com/office/powerpoint/2010/main" val="772485170"/>
+      </p:ext>
+    </p:extLst>
+  </p:cSld>
+  <p:clrMapOvr>
+    <a:masterClrMapping/>
+  </p:clrMapOvr>
+</p:sld>
+</file>
+
 <file path=ppt/slides/slide2.xml><?xml version="1.0" encoding="utf-8"?>
 <p:sld xmlns:a="http://schemas.openxmlformats.org/drawingml/2006/main" xmlns:r="http://schemas.openxmlformats.org/officeDocument/2006/relationships" xmlns:p="http://schemas.openxmlformats.org/presentationml/2006/main">
   <p:cSld>
@@ -4191,6 +4498,993 @@
     <p:extLst>
       <p:ext uri="{BB962C8B-B14F-4D97-AF65-F5344CB8AC3E}">
         <p14:creationId xmlns:p14="http://schemas.microsoft.com/office/powerpoint/2010/main" val="3327675050"/>
+      </p:ext>
+    </p:extLst>
+  </p:cSld>
+  <p:clrMapOvr>
+    <a:masterClrMapping/>
+  </p:clrMapOvr>
+</p:sld>
+</file>
+
+<file path=ppt/slides/slide20.xml><?xml version="1.0" encoding="utf-8"?>
+<p:sld xmlns:a="http://schemas.openxmlformats.org/drawingml/2006/main" xmlns:r="http://schemas.openxmlformats.org/officeDocument/2006/relationships" xmlns:p="http://schemas.openxmlformats.org/presentationml/2006/main">
+  <p:cSld>
+    <p:spTree>
+      <p:nvGrpSpPr>
+        <p:cNvPr id="1" name=""/>
+        <p:cNvGrpSpPr/>
+        <p:nvPr/>
+      </p:nvGrpSpPr>
+      <p:grpSpPr>
+        <a:xfrm>
+          <a:off x="0" y="0"/>
+          <a:ext cx="0" cy="0"/>
+          <a:chOff x="0" y="0"/>
+          <a:chExt cx="0" cy="0"/>
+        </a:xfrm>
+      </p:grpSpPr>
+      <p:sp>
+        <p:nvSpPr>
+          <p:cNvPr id="2" name="Title 1">
+            <a:extLst>
+              <a:ext uri="{FF2B5EF4-FFF2-40B4-BE49-F238E27FC236}">
+                <a16:creationId xmlns:a16="http://schemas.microsoft.com/office/drawing/2014/main" id="{EB133F81-6230-4268-9777-53D5D52AE1C1}"/>
+              </a:ext>
+            </a:extLst>
+          </p:cNvPr>
+          <p:cNvSpPr>
+            <a:spLocks noGrp="1"/>
+          </p:cNvSpPr>
+          <p:nvPr>
+            <p:ph type="ctrTitle"/>
+          </p:nvPr>
+        </p:nvSpPr>
+        <p:spPr>
+          <a:xfrm>
+            <a:off x="1523999" y="189110"/>
+            <a:ext cx="10165238" cy="1130643"/>
+          </a:xfrm>
+        </p:spPr>
+        <p:txBody>
+          <a:bodyPr>
+            <a:normAutofit/>
+          </a:bodyPr>
+          <a:lstStyle/>
+          <a:p>
+            <a:r>
+              <a:rPr lang="en-US" sz="3600" dirty="0"/>
+              <a:t>What is RNN (Short term memory)?</a:t>
+            </a:r>
+          </a:p>
+        </p:txBody>
+      </p:sp>
+      <p:pic>
+        <p:nvPicPr>
+          <p:cNvPr id="4" name="Picture 3">
+            <a:extLst>
+              <a:ext uri="{FF2B5EF4-FFF2-40B4-BE49-F238E27FC236}">
+                <a16:creationId xmlns:a16="http://schemas.microsoft.com/office/drawing/2014/main" id="{B753C741-3F5E-464E-A3D6-1D502B5AF77F}"/>
+              </a:ext>
+            </a:extLst>
+          </p:cNvPr>
+          <p:cNvPicPr>
+            <a:picLocks noChangeAspect="1"/>
+          </p:cNvPicPr>
+          <p:nvPr/>
+        </p:nvPicPr>
+        <p:blipFill>
+          <a:blip r:embed="rId2"/>
+          <a:stretch>
+            <a:fillRect/>
+          </a:stretch>
+        </p:blipFill>
+        <p:spPr>
+          <a:xfrm>
+            <a:off x="4166008" y="1786772"/>
+            <a:ext cx="4086225" cy="4038600"/>
+          </a:xfrm>
+          <a:prstGeom prst="rect">
+            <a:avLst/>
+          </a:prstGeom>
+        </p:spPr>
+      </p:pic>
+    </p:spTree>
+    <p:extLst>
+      <p:ext uri="{BB962C8B-B14F-4D97-AF65-F5344CB8AC3E}">
+        <p14:creationId xmlns:p14="http://schemas.microsoft.com/office/powerpoint/2010/main" val="875402094"/>
+      </p:ext>
+    </p:extLst>
+  </p:cSld>
+  <p:clrMapOvr>
+    <a:masterClrMapping/>
+  </p:clrMapOvr>
+</p:sld>
+</file>
+
+<file path=ppt/slides/slide21.xml><?xml version="1.0" encoding="utf-8"?>
+<p:sld xmlns:a="http://schemas.openxmlformats.org/drawingml/2006/main" xmlns:r="http://schemas.openxmlformats.org/officeDocument/2006/relationships" xmlns:p="http://schemas.openxmlformats.org/presentationml/2006/main">
+  <p:cSld>
+    <p:spTree>
+      <p:nvGrpSpPr>
+        <p:cNvPr id="1" name=""/>
+        <p:cNvGrpSpPr/>
+        <p:nvPr/>
+      </p:nvGrpSpPr>
+      <p:grpSpPr>
+        <a:xfrm>
+          <a:off x="0" y="0"/>
+          <a:ext cx="0" cy="0"/>
+          <a:chOff x="0" y="0"/>
+          <a:chExt cx="0" cy="0"/>
+        </a:xfrm>
+      </p:grpSpPr>
+      <p:sp>
+        <p:nvSpPr>
+          <p:cNvPr id="2" name="Title 1">
+            <a:extLst>
+              <a:ext uri="{FF2B5EF4-FFF2-40B4-BE49-F238E27FC236}">
+                <a16:creationId xmlns:a16="http://schemas.microsoft.com/office/drawing/2014/main" id="{EB133F81-6230-4268-9777-53D5D52AE1C1}"/>
+              </a:ext>
+            </a:extLst>
+          </p:cNvPr>
+          <p:cNvSpPr>
+            <a:spLocks noGrp="1"/>
+          </p:cNvSpPr>
+          <p:nvPr>
+            <p:ph type="ctrTitle"/>
+          </p:nvPr>
+        </p:nvSpPr>
+        <p:spPr>
+          <a:xfrm>
+            <a:off x="1523999" y="189110"/>
+            <a:ext cx="10165238" cy="1130643"/>
+          </a:xfrm>
+        </p:spPr>
+        <p:txBody>
+          <a:bodyPr>
+            <a:normAutofit/>
+          </a:bodyPr>
+          <a:lstStyle/>
+          <a:p>
+            <a:r>
+              <a:rPr lang="en-US" sz="3600" dirty="0"/>
+              <a:t>What is RNN (Classic Neural Network)?</a:t>
+            </a:r>
+          </a:p>
+        </p:txBody>
+      </p:sp>
+      <p:pic>
+        <p:nvPicPr>
+          <p:cNvPr id="3" name="Picture 2">
+            <a:extLst>
+              <a:ext uri="{FF2B5EF4-FFF2-40B4-BE49-F238E27FC236}">
+                <a16:creationId xmlns:a16="http://schemas.microsoft.com/office/drawing/2014/main" id="{FE50CE02-2606-454A-ABFE-EAA002D256F5}"/>
+              </a:ext>
+            </a:extLst>
+          </p:cNvPr>
+          <p:cNvPicPr>
+            <a:picLocks noChangeAspect="1"/>
+          </p:cNvPicPr>
+          <p:nvPr/>
+        </p:nvPicPr>
+        <p:blipFill>
+          <a:blip r:embed="rId2"/>
+          <a:stretch>
+            <a:fillRect/>
+          </a:stretch>
+        </p:blipFill>
+        <p:spPr>
+          <a:xfrm>
+            <a:off x="3302867" y="2150931"/>
+            <a:ext cx="6943725" cy="3800475"/>
+          </a:xfrm>
+          <a:prstGeom prst="rect">
+            <a:avLst/>
+          </a:prstGeom>
+        </p:spPr>
+      </p:pic>
+    </p:spTree>
+    <p:extLst>
+      <p:ext uri="{BB962C8B-B14F-4D97-AF65-F5344CB8AC3E}">
+        <p14:creationId xmlns:p14="http://schemas.microsoft.com/office/powerpoint/2010/main" val="3000593194"/>
+      </p:ext>
+    </p:extLst>
+  </p:cSld>
+  <p:clrMapOvr>
+    <a:masterClrMapping/>
+  </p:clrMapOvr>
+</p:sld>
+</file>
+
+<file path=ppt/slides/slide22.xml><?xml version="1.0" encoding="utf-8"?>
+<p:sld xmlns:a="http://schemas.openxmlformats.org/drawingml/2006/main" xmlns:r="http://schemas.openxmlformats.org/officeDocument/2006/relationships" xmlns:p="http://schemas.openxmlformats.org/presentationml/2006/main">
+  <p:cSld>
+    <p:spTree>
+      <p:nvGrpSpPr>
+        <p:cNvPr id="1" name=""/>
+        <p:cNvGrpSpPr/>
+        <p:nvPr/>
+      </p:nvGrpSpPr>
+      <p:grpSpPr>
+        <a:xfrm>
+          <a:off x="0" y="0"/>
+          <a:ext cx="0" cy="0"/>
+          <a:chOff x="0" y="0"/>
+          <a:chExt cx="0" cy="0"/>
+        </a:xfrm>
+      </p:grpSpPr>
+      <p:sp>
+        <p:nvSpPr>
+          <p:cNvPr id="2" name="Title 1">
+            <a:extLst>
+              <a:ext uri="{FF2B5EF4-FFF2-40B4-BE49-F238E27FC236}">
+                <a16:creationId xmlns:a16="http://schemas.microsoft.com/office/drawing/2014/main" id="{EB133F81-6230-4268-9777-53D5D52AE1C1}"/>
+              </a:ext>
+            </a:extLst>
+          </p:cNvPr>
+          <p:cNvSpPr>
+            <a:spLocks noGrp="1"/>
+          </p:cNvSpPr>
+          <p:nvPr>
+            <p:ph type="ctrTitle"/>
+          </p:nvPr>
+        </p:nvSpPr>
+        <p:spPr>
+          <a:xfrm>
+            <a:off x="1523999" y="189110"/>
+            <a:ext cx="10165238" cy="1130643"/>
+          </a:xfrm>
+        </p:spPr>
+        <p:txBody>
+          <a:bodyPr>
+            <a:normAutofit/>
+          </a:bodyPr>
+          <a:lstStyle/>
+          <a:p>
+            <a:r>
+              <a:rPr lang="en-US" sz="3600" dirty="0"/>
+              <a:t>What is RNN (One To Many)?</a:t>
+            </a:r>
+          </a:p>
+        </p:txBody>
+      </p:sp>
+      <p:pic>
+        <p:nvPicPr>
+          <p:cNvPr id="4" name="Picture 3">
+            <a:extLst>
+              <a:ext uri="{FF2B5EF4-FFF2-40B4-BE49-F238E27FC236}">
+                <a16:creationId xmlns:a16="http://schemas.microsoft.com/office/drawing/2014/main" id="{3A185D93-BECA-4EDB-8832-B2660870DA7E}"/>
+              </a:ext>
+            </a:extLst>
+          </p:cNvPr>
+          <p:cNvPicPr>
+            <a:picLocks noChangeAspect="1"/>
+          </p:cNvPicPr>
+          <p:nvPr/>
+        </p:nvPicPr>
+        <p:blipFill>
+          <a:blip r:embed="rId2"/>
+          <a:stretch>
+            <a:fillRect/>
+          </a:stretch>
+        </p:blipFill>
+        <p:spPr>
+          <a:xfrm>
+            <a:off x="1798065" y="1955767"/>
+            <a:ext cx="9010650" cy="4171950"/>
+          </a:xfrm>
+          <a:prstGeom prst="rect">
+            <a:avLst/>
+          </a:prstGeom>
+        </p:spPr>
+      </p:pic>
+    </p:spTree>
+    <p:extLst>
+      <p:ext uri="{BB962C8B-B14F-4D97-AF65-F5344CB8AC3E}">
+        <p14:creationId xmlns:p14="http://schemas.microsoft.com/office/powerpoint/2010/main" val="1445452209"/>
+      </p:ext>
+    </p:extLst>
+  </p:cSld>
+  <p:clrMapOvr>
+    <a:masterClrMapping/>
+  </p:clrMapOvr>
+</p:sld>
+</file>
+
+<file path=ppt/slides/slide23.xml><?xml version="1.0" encoding="utf-8"?>
+<p:sld xmlns:a="http://schemas.openxmlformats.org/drawingml/2006/main" xmlns:r="http://schemas.openxmlformats.org/officeDocument/2006/relationships" xmlns:p="http://schemas.openxmlformats.org/presentationml/2006/main">
+  <p:cSld>
+    <p:spTree>
+      <p:nvGrpSpPr>
+        <p:cNvPr id="1" name=""/>
+        <p:cNvGrpSpPr/>
+        <p:nvPr/>
+      </p:nvGrpSpPr>
+      <p:grpSpPr>
+        <a:xfrm>
+          <a:off x="0" y="0"/>
+          <a:ext cx="0" cy="0"/>
+          <a:chOff x="0" y="0"/>
+          <a:chExt cx="0" cy="0"/>
+        </a:xfrm>
+      </p:grpSpPr>
+      <p:sp>
+        <p:nvSpPr>
+          <p:cNvPr id="2" name="Title 1">
+            <a:extLst>
+              <a:ext uri="{FF2B5EF4-FFF2-40B4-BE49-F238E27FC236}">
+                <a16:creationId xmlns:a16="http://schemas.microsoft.com/office/drawing/2014/main" id="{EB133F81-6230-4268-9777-53D5D52AE1C1}"/>
+              </a:ext>
+            </a:extLst>
+          </p:cNvPr>
+          <p:cNvSpPr>
+            <a:spLocks noGrp="1"/>
+          </p:cNvSpPr>
+          <p:nvPr>
+            <p:ph type="ctrTitle"/>
+          </p:nvPr>
+        </p:nvSpPr>
+        <p:spPr>
+          <a:xfrm>
+            <a:off x="1523999" y="189110"/>
+            <a:ext cx="10165238" cy="1130643"/>
+          </a:xfrm>
+        </p:spPr>
+        <p:txBody>
+          <a:bodyPr>
+            <a:normAutofit/>
+          </a:bodyPr>
+          <a:lstStyle/>
+          <a:p>
+            <a:r>
+              <a:rPr lang="en-US" sz="3600" dirty="0"/>
+              <a:t>What is RNN (Many To One)?</a:t>
+            </a:r>
+          </a:p>
+        </p:txBody>
+      </p:sp>
+      <p:pic>
+        <p:nvPicPr>
+          <p:cNvPr id="3" name="Picture 2">
+            <a:extLst>
+              <a:ext uri="{FF2B5EF4-FFF2-40B4-BE49-F238E27FC236}">
+                <a16:creationId xmlns:a16="http://schemas.microsoft.com/office/drawing/2014/main" id="{4E0B1D1C-268E-4AAA-AB9C-08AF62146830}"/>
+              </a:ext>
+            </a:extLst>
+          </p:cNvPr>
+          <p:cNvPicPr>
+            <a:picLocks noChangeAspect="1"/>
+          </p:cNvPicPr>
+          <p:nvPr/>
+        </p:nvPicPr>
+        <p:blipFill>
+          <a:blip r:embed="rId2"/>
+          <a:stretch>
+            <a:fillRect/>
+          </a:stretch>
+        </p:blipFill>
+        <p:spPr>
+          <a:xfrm>
+            <a:off x="2316489" y="2372609"/>
+            <a:ext cx="8105775" cy="3771900"/>
+          </a:xfrm>
+          <a:prstGeom prst="rect">
+            <a:avLst/>
+          </a:prstGeom>
+        </p:spPr>
+      </p:pic>
+    </p:spTree>
+    <p:extLst>
+      <p:ext uri="{BB962C8B-B14F-4D97-AF65-F5344CB8AC3E}">
+        <p14:creationId xmlns:p14="http://schemas.microsoft.com/office/powerpoint/2010/main" val="2649639833"/>
+      </p:ext>
+    </p:extLst>
+  </p:cSld>
+  <p:clrMapOvr>
+    <a:masterClrMapping/>
+  </p:clrMapOvr>
+</p:sld>
+</file>
+
+<file path=ppt/slides/slide24.xml><?xml version="1.0" encoding="utf-8"?>
+<p:sld xmlns:a="http://schemas.openxmlformats.org/drawingml/2006/main" xmlns:r="http://schemas.openxmlformats.org/officeDocument/2006/relationships" xmlns:p="http://schemas.openxmlformats.org/presentationml/2006/main">
+  <p:cSld>
+    <p:spTree>
+      <p:nvGrpSpPr>
+        <p:cNvPr id="1" name=""/>
+        <p:cNvGrpSpPr/>
+        <p:nvPr/>
+      </p:nvGrpSpPr>
+      <p:grpSpPr>
+        <a:xfrm>
+          <a:off x="0" y="0"/>
+          <a:ext cx="0" cy="0"/>
+          <a:chOff x="0" y="0"/>
+          <a:chExt cx="0" cy="0"/>
+        </a:xfrm>
+      </p:grpSpPr>
+      <p:sp>
+        <p:nvSpPr>
+          <p:cNvPr id="2" name="Title 1">
+            <a:extLst>
+              <a:ext uri="{FF2B5EF4-FFF2-40B4-BE49-F238E27FC236}">
+                <a16:creationId xmlns:a16="http://schemas.microsoft.com/office/drawing/2014/main" id="{EB133F81-6230-4268-9777-53D5D52AE1C1}"/>
+              </a:ext>
+            </a:extLst>
+          </p:cNvPr>
+          <p:cNvSpPr>
+            <a:spLocks noGrp="1"/>
+          </p:cNvSpPr>
+          <p:nvPr>
+            <p:ph type="ctrTitle"/>
+          </p:nvPr>
+        </p:nvSpPr>
+        <p:spPr>
+          <a:xfrm>
+            <a:off x="1523999" y="189110"/>
+            <a:ext cx="10165238" cy="1130643"/>
+          </a:xfrm>
+        </p:spPr>
+        <p:txBody>
+          <a:bodyPr>
+            <a:normAutofit/>
+          </a:bodyPr>
+          <a:lstStyle/>
+          <a:p>
+            <a:r>
+              <a:rPr lang="en-US" sz="3600" dirty="0"/>
+              <a:t>What is RNN (Many To Many)?</a:t>
+            </a:r>
+          </a:p>
+        </p:txBody>
+      </p:sp>
+      <p:pic>
+        <p:nvPicPr>
+          <p:cNvPr id="4" name="Picture 3">
+            <a:extLst>
+              <a:ext uri="{FF2B5EF4-FFF2-40B4-BE49-F238E27FC236}">
+                <a16:creationId xmlns:a16="http://schemas.microsoft.com/office/drawing/2014/main" id="{8F77CBE0-5AE4-4474-B584-C1602B79F557}"/>
+              </a:ext>
+            </a:extLst>
+          </p:cNvPr>
+          <p:cNvPicPr>
+            <a:picLocks noChangeAspect="1"/>
+          </p:cNvPicPr>
+          <p:nvPr/>
+        </p:nvPicPr>
+        <p:blipFill>
+          <a:blip r:embed="rId2"/>
+          <a:stretch>
+            <a:fillRect/>
+          </a:stretch>
+        </p:blipFill>
+        <p:spPr>
+          <a:xfrm>
+            <a:off x="1357312" y="1843087"/>
+            <a:ext cx="9477375" cy="3171825"/>
+          </a:xfrm>
+          <a:prstGeom prst="rect">
+            <a:avLst/>
+          </a:prstGeom>
+        </p:spPr>
+      </p:pic>
+    </p:spTree>
+    <p:extLst>
+      <p:ext uri="{BB962C8B-B14F-4D97-AF65-F5344CB8AC3E}">
+        <p14:creationId xmlns:p14="http://schemas.microsoft.com/office/powerpoint/2010/main" val="2760224049"/>
+      </p:ext>
+    </p:extLst>
+  </p:cSld>
+  <p:clrMapOvr>
+    <a:masterClrMapping/>
+  </p:clrMapOvr>
+</p:sld>
+</file>
+
+<file path=ppt/slides/slide25.xml><?xml version="1.0" encoding="utf-8"?>
+<p:sld xmlns:a="http://schemas.openxmlformats.org/drawingml/2006/main" xmlns:r="http://schemas.openxmlformats.org/officeDocument/2006/relationships" xmlns:p="http://schemas.openxmlformats.org/presentationml/2006/main">
+  <p:cSld>
+    <p:spTree>
+      <p:nvGrpSpPr>
+        <p:cNvPr id="1" name=""/>
+        <p:cNvGrpSpPr/>
+        <p:nvPr/>
+      </p:nvGrpSpPr>
+      <p:grpSpPr>
+        <a:xfrm>
+          <a:off x="0" y="0"/>
+          <a:ext cx="0" cy="0"/>
+          <a:chOff x="0" y="0"/>
+          <a:chExt cx="0" cy="0"/>
+        </a:xfrm>
+      </p:grpSpPr>
+      <p:sp>
+        <p:nvSpPr>
+          <p:cNvPr id="2" name="Title 1">
+            <a:extLst>
+              <a:ext uri="{FF2B5EF4-FFF2-40B4-BE49-F238E27FC236}">
+                <a16:creationId xmlns:a16="http://schemas.microsoft.com/office/drawing/2014/main" id="{EB133F81-6230-4268-9777-53D5D52AE1C1}"/>
+              </a:ext>
+            </a:extLst>
+          </p:cNvPr>
+          <p:cNvSpPr>
+            <a:spLocks noGrp="1"/>
+          </p:cNvSpPr>
+          <p:nvPr>
+            <p:ph type="ctrTitle"/>
+          </p:nvPr>
+        </p:nvSpPr>
+        <p:spPr>
+          <a:xfrm>
+            <a:off x="1523999" y="189110"/>
+            <a:ext cx="10165238" cy="1130643"/>
+          </a:xfrm>
+        </p:spPr>
+        <p:txBody>
+          <a:bodyPr>
+            <a:normAutofit/>
+          </a:bodyPr>
+          <a:lstStyle/>
+          <a:p>
+            <a:r>
+              <a:rPr lang="en-US" sz="3600" dirty="0"/>
+              <a:t>Seq2Seq Model Architecture ?</a:t>
+            </a:r>
+          </a:p>
+        </p:txBody>
+      </p:sp>
+      <p:pic>
+        <p:nvPicPr>
+          <p:cNvPr id="3" name="Picture 2">
+            <a:extLst>
+              <a:ext uri="{FF2B5EF4-FFF2-40B4-BE49-F238E27FC236}">
+                <a16:creationId xmlns:a16="http://schemas.microsoft.com/office/drawing/2014/main" id="{EAB225F6-4E9A-4A6B-9C6F-7F778F1B97BF}"/>
+              </a:ext>
+            </a:extLst>
+          </p:cNvPr>
+          <p:cNvPicPr>
+            <a:picLocks noChangeAspect="1"/>
+          </p:cNvPicPr>
+          <p:nvPr/>
+        </p:nvPicPr>
+        <p:blipFill>
+          <a:blip r:embed="rId2"/>
+          <a:stretch>
+            <a:fillRect/>
+          </a:stretch>
+        </p:blipFill>
+        <p:spPr>
+          <a:xfrm>
+            <a:off x="2331218" y="1840140"/>
+            <a:ext cx="8905875" cy="3743325"/>
+          </a:xfrm>
+          <a:prstGeom prst="rect">
+            <a:avLst/>
+          </a:prstGeom>
+        </p:spPr>
+      </p:pic>
+    </p:spTree>
+    <p:extLst>
+      <p:ext uri="{BB962C8B-B14F-4D97-AF65-F5344CB8AC3E}">
+        <p14:creationId xmlns:p14="http://schemas.microsoft.com/office/powerpoint/2010/main" val="3384145009"/>
+      </p:ext>
+    </p:extLst>
+  </p:cSld>
+  <p:clrMapOvr>
+    <a:masterClrMapping/>
+  </p:clrMapOvr>
+</p:sld>
+</file>
+
+<file path=ppt/slides/slide26.xml><?xml version="1.0" encoding="utf-8"?>
+<p:sld xmlns:a="http://schemas.openxmlformats.org/drawingml/2006/main" xmlns:r="http://schemas.openxmlformats.org/officeDocument/2006/relationships" xmlns:p="http://schemas.openxmlformats.org/presentationml/2006/main">
+  <p:cSld>
+    <p:spTree>
+      <p:nvGrpSpPr>
+        <p:cNvPr id="1" name=""/>
+        <p:cNvGrpSpPr/>
+        <p:nvPr/>
+      </p:nvGrpSpPr>
+      <p:grpSpPr>
+        <a:xfrm>
+          <a:off x="0" y="0"/>
+          <a:ext cx="0" cy="0"/>
+          <a:chOff x="0" y="0"/>
+          <a:chExt cx="0" cy="0"/>
+        </a:xfrm>
+      </p:grpSpPr>
+      <p:sp>
+        <p:nvSpPr>
+          <p:cNvPr id="2" name="Title 1">
+            <a:extLst>
+              <a:ext uri="{FF2B5EF4-FFF2-40B4-BE49-F238E27FC236}">
+                <a16:creationId xmlns:a16="http://schemas.microsoft.com/office/drawing/2014/main" id="{EB133F81-6230-4268-9777-53D5D52AE1C1}"/>
+              </a:ext>
+            </a:extLst>
+          </p:cNvPr>
+          <p:cNvSpPr>
+            <a:spLocks noGrp="1"/>
+          </p:cNvSpPr>
+          <p:nvPr>
+            <p:ph type="ctrTitle"/>
+          </p:nvPr>
+        </p:nvSpPr>
+        <p:spPr>
+          <a:xfrm>
+            <a:off x="1523999" y="189110"/>
+            <a:ext cx="10165238" cy="1130643"/>
+          </a:xfrm>
+        </p:spPr>
+        <p:txBody>
+          <a:bodyPr>
+            <a:normAutofit/>
+          </a:bodyPr>
+          <a:lstStyle/>
+          <a:p>
+            <a:r>
+              <a:rPr lang="en-US" sz="3600" dirty="0"/>
+              <a:t>Seq2Seq Model Architecture ?</a:t>
+            </a:r>
+          </a:p>
+        </p:txBody>
+      </p:sp>
+      <p:pic>
+        <p:nvPicPr>
+          <p:cNvPr id="5" name="Picture 4">
+            <a:extLst>
+              <a:ext uri="{FF2B5EF4-FFF2-40B4-BE49-F238E27FC236}">
+                <a16:creationId xmlns:a16="http://schemas.microsoft.com/office/drawing/2014/main" id="{C71A4C16-5708-4A76-AEA6-0C5037C1154F}"/>
+              </a:ext>
+            </a:extLst>
+          </p:cNvPr>
+          <p:cNvPicPr>
+            <a:picLocks noChangeAspect="1"/>
+          </p:cNvPicPr>
+          <p:nvPr/>
+        </p:nvPicPr>
+        <p:blipFill>
+          <a:blip r:embed="rId2"/>
+          <a:stretch>
+            <a:fillRect/>
+          </a:stretch>
+        </p:blipFill>
+        <p:spPr>
+          <a:xfrm>
+            <a:off x="2272890" y="1874116"/>
+            <a:ext cx="9248775" cy="4467225"/>
+          </a:xfrm>
+          <a:prstGeom prst="rect">
+            <a:avLst/>
+          </a:prstGeom>
+        </p:spPr>
+      </p:pic>
+    </p:spTree>
+    <p:extLst>
+      <p:ext uri="{BB962C8B-B14F-4D97-AF65-F5344CB8AC3E}">
+        <p14:creationId xmlns:p14="http://schemas.microsoft.com/office/powerpoint/2010/main" val="562467824"/>
+      </p:ext>
+    </p:extLst>
+  </p:cSld>
+  <p:clrMapOvr>
+    <a:masterClrMapping/>
+  </p:clrMapOvr>
+</p:sld>
+</file>
+
+<file path=ppt/slides/slide27.xml><?xml version="1.0" encoding="utf-8"?>
+<p:sld xmlns:a="http://schemas.openxmlformats.org/drawingml/2006/main" xmlns:r="http://schemas.openxmlformats.org/officeDocument/2006/relationships" xmlns:p="http://schemas.openxmlformats.org/presentationml/2006/main">
+  <p:cSld>
+    <p:spTree>
+      <p:nvGrpSpPr>
+        <p:cNvPr id="1" name=""/>
+        <p:cNvGrpSpPr/>
+        <p:nvPr/>
+      </p:nvGrpSpPr>
+      <p:grpSpPr>
+        <a:xfrm>
+          <a:off x="0" y="0"/>
+          <a:ext cx="0" cy="0"/>
+          <a:chOff x="0" y="0"/>
+          <a:chExt cx="0" cy="0"/>
+        </a:xfrm>
+      </p:grpSpPr>
+      <p:sp>
+        <p:nvSpPr>
+          <p:cNvPr id="2" name="Title 1">
+            <a:extLst>
+              <a:ext uri="{FF2B5EF4-FFF2-40B4-BE49-F238E27FC236}">
+                <a16:creationId xmlns:a16="http://schemas.microsoft.com/office/drawing/2014/main" id="{EB133F81-6230-4268-9777-53D5D52AE1C1}"/>
+              </a:ext>
+            </a:extLst>
+          </p:cNvPr>
+          <p:cNvSpPr>
+            <a:spLocks noGrp="1"/>
+          </p:cNvSpPr>
+          <p:nvPr>
+            <p:ph type="ctrTitle"/>
+          </p:nvPr>
+        </p:nvSpPr>
+        <p:spPr>
+          <a:xfrm>
+            <a:off x="1523999" y="189110"/>
+            <a:ext cx="10165238" cy="1130643"/>
+          </a:xfrm>
+        </p:spPr>
+        <p:txBody>
+          <a:bodyPr>
+            <a:normAutofit/>
+          </a:bodyPr>
+          <a:lstStyle/>
+          <a:p>
+            <a:r>
+              <a:rPr lang="en-US" sz="3600" dirty="0"/>
+              <a:t>Seq2Seq Model Architecture (LSTM) ?</a:t>
+            </a:r>
+          </a:p>
+        </p:txBody>
+      </p:sp>
+      <p:pic>
+        <p:nvPicPr>
+          <p:cNvPr id="3" name="Picture 2">
+            <a:extLst>
+              <a:ext uri="{FF2B5EF4-FFF2-40B4-BE49-F238E27FC236}">
+                <a16:creationId xmlns:a16="http://schemas.microsoft.com/office/drawing/2014/main" id="{4CA73D7D-7215-4567-8146-A9A8912F7BA2}"/>
+              </a:ext>
+            </a:extLst>
+          </p:cNvPr>
+          <p:cNvPicPr>
+            <a:picLocks noChangeAspect="1"/>
+          </p:cNvPicPr>
+          <p:nvPr/>
+        </p:nvPicPr>
+        <p:blipFill>
+          <a:blip r:embed="rId2"/>
+          <a:stretch>
+            <a:fillRect/>
+          </a:stretch>
+        </p:blipFill>
+        <p:spPr>
+          <a:xfrm>
+            <a:off x="2985743" y="1161263"/>
+            <a:ext cx="6865267" cy="3374699"/>
+          </a:xfrm>
+          <a:prstGeom prst="rect">
+            <a:avLst/>
+          </a:prstGeom>
+        </p:spPr>
+      </p:pic>
+      <p:sp>
+        <p:nvSpPr>
+          <p:cNvPr id="4" name="Rectangle 3">
+            <a:extLst>
+              <a:ext uri="{FF2B5EF4-FFF2-40B4-BE49-F238E27FC236}">
+                <a16:creationId xmlns:a16="http://schemas.microsoft.com/office/drawing/2014/main" id="{5F593C55-0314-411D-B9F5-6D4C1705FB9A}"/>
+              </a:ext>
+            </a:extLst>
+          </p:cNvPr>
+          <p:cNvSpPr/>
+          <p:nvPr/>
+        </p:nvSpPr>
+        <p:spPr>
+          <a:xfrm>
+            <a:off x="3236536" y="4535962"/>
+            <a:ext cx="6096000" cy="923330"/>
+          </a:xfrm>
+          <a:prstGeom prst="rect">
+            <a:avLst/>
+          </a:prstGeom>
+        </p:spPr>
+        <p:txBody>
+          <a:bodyPr>
+            <a:spAutoFit/>
+          </a:bodyPr>
+          <a:lstStyle/>
+          <a:p>
+            <a:r>
+              <a:rPr lang="en-US" dirty="0">
+                <a:hlinkClick r:id="rId3"/>
+              </a:rPr>
+              <a:t>https://medium.com/deep-math-machine-learning-ai/chapter-10-1-deepnlp-lstm-long-short-term-memory-networks-with-math-21477f8e4235</a:t>
+            </a:r>
+            <a:endParaRPr lang="en-US" dirty="0"/>
+          </a:p>
+        </p:txBody>
+      </p:sp>
+    </p:spTree>
+    <p:extLst>
+      <p:ext uri="{BB962C8B-B14F-4D97-AF65-F5344CB8AC3E}">
+        <p14:creationId xmlns:p14="http://schemas.microsoft.com/office/powerpoint/2010/main" val="3603079633"/>
+      </p:ext>
+    </p:extLst>
+  </p:cSld>
+  <p:clrMapOvr>
+    <a:masterClrMapping/>
+  </p:clrMapOvr>
+</p:sld>
+</file>
+
+<file path=ppt/slides/slide28.xml><?xml version="1.0" encoding="utf-8"?>
+<p:sld xmlns:a="http://schemas.openxmlformats.org/drawingml/2006/main" xmlns:r="http://schemas.openxmlformats.org/officeDocument/2006/relationships" xmlns:p="http://schemas.openxmlformats.org/presentationml/2006/main">
+  <p:cSld>
+    <p:spTree>
+      <p:nvGrpSpPr>
+        <p:cNvPr id="1" name=""/>
+        <p:cNvGrpSpPr/>
+        <p:nvPr/>
+      </p:nvGrpSpPr>
+      <p:grpSpPr>
+        <a:xfrm>
+          <a:off x="0" y="0"/>
+          <a:ext cx="0" cy="0"/>
+          <a:chOff x="0" y="0"/>
+          <a:chExt cx="0" cy="0"/>
+        </a:xfrm>
+      </p:grpSpPr>
+      <p:sp>
+        <p:nvSpPr>
+          <p:cNvPr id="2" name="Title 1">
+            <a:extLst>
+              <a:ext uri="{FF2B5EF4-FFF2-40B4-BE49-F238E27FC236}">
+                <a16:creationId xmlns:a16="http://schemas.microsoft.com/office/drawing/2014/main" id="{EB133F81-6230-4268-9777-53D5D52AE1C1}"/>
+              </a:ext>
+            </a:extLst>
+          </p:cNvPr>
+          <p:cNvSpPr>
+            <a:spLocks noGrp="1"/>
+          </p:cNvSpPr>
+          <p:nvPr>
+            <p:ph type="ctrTitle"/>
+          </p:nvPr>
+        </p:nvSpPr>
+        <p:spPr>
+          <a:xfrm>
+            <a:off x="1523999" y="189110"/>
+            <a:ext cx="10165238" cy="1130643"/>
+          </a:xfrm>
+        </p:spPr>
+        <p:txBody>
+          <a:bodyPr>
+            <a:normAutofit/>
+          </a:bodyPr>
+          <a:lstStyle/>
+          <a:p>
+            <a:r>
+              <a:rPr lang="en-US" sz="3600" dirty="0"/>
+              <a:t>Seq2Seq Model Architecture (How it Works ?) ?</a:t>
+            </a:r>
+          </a:p>
+        </p:txBody>
+      </p:sp>
+      <p:pic>
+        <p:nvPicPr>
+          <p:cNvPr id="5" name="Picture 4">
+            <a:extLst>
+              <a:ext uri="{FF2B5EF4-FFF2-40B4-BE49-F238E27FC236}">
+                <a16:creationId xmlns:a16="http://schemas.microsoft.com/office/drawing/2014/main" id="{D637F789-B13A-45B6-A0F1-861F9B57B4BA}"/>
+              </a:ext>
+            </a:extLst>
+          </p:cNvPr>
+          <p:cNvPicPr>
+            <a:picLocks noChangeAspect="1"/>
+          </p:cNvPicPr>
+          <p:nvPr/>
+        </p:nvPicPr>
+        <p:blipFill>
+          <a:blip r:embed="rId2"/>
+          <a:stretch>
+            <a:fillRect/>
+          </a:stretch>
+        </p:blipFill>
+        <p:spPr>
+          <a:xfrm>
+            <a:off x="1509712" y="1820306"/>
+            <a:ext cx="9172575" cy="3933825"/>
+          </a:xfrm>
+          <a:prstGeom prst="rect">
+            <a:avLst/>
+          </a:prstGeom>
+        </p:spPr>
+      </p:pic>
+    </p:spTree>
+    <p:extLst>
+      <p:ext uri="{BB962C8B-B14F-4D97-AF65-F5344CB8AC3E}">
+        <p14:creationId xmlns:p14="http://schemas.microsoft.com/office/powerpoint/2010/main" val="366424487"/>
+      </p:ext>
+    </p:extLst>
+  </p:cSld>
+  <p:clrMapOvr>
+    <a:masterClrMapping/>
+  </p:clrMapOvr>
+</p:sld>
+</file>
+
+<file path=ppt/slides/slide29.xml><?xml version="1.0" encoding="utf-8"?>
+<p:sld xmlns:a="http://schemas.openxmlformats.org/drawingml/2006/main" xmlns:r="http://schemas.openxmlformats.org/officeDocument/2006/relationships" xmlns:p="http://schemas.openxmlformats.org/presentationml/2006/main">
+  <p:cSld>
+    <p:spTree>
+      <p:nvGrpSpPr>
+        <p:cNvPr id="1" name=""/>
+        <p:cNvGrpSpPr/>
+        <p:nvPr/>
+      </p:nvGrpSpPr>
+      <p:grpSpPr>
+        <a:xfrm>
+          <a:off x="0" y="0"/>
+          <a:ext cx="0" cy="0"/>
+          <a:chOff x="0" y="0"/>
+          <a:chExt cx="0" cy="0"/>
+        </a:xfrm>
+      </p:grpSpPr>
+      <p:sp>
+        <p:nvSpPr>
+          <p:cNvPr id="2" name="Title 1">
+            <a:extLst>
+              <a:ext uri="{FF2B5EF4-FFF2-40B4-BE49-F238E27FC236}">
+                <a16:creationId xmlns:a16="http://schemas.microsoft.com/office/drawing/2014/main" id="{EB133F81-6230-4268-9777-53D5D52AE1C1}"/>
+              </a:ext>
+            </a:extLst>
+          </p:cNvPr>
+          <p:cNvSpPr>
+            <a:spLocks noGrp="1"/>
+          </p:cNvSpPr>
+          <p:nvPr>
+            <p:ph type="ctrTitle"/>
+          </p:nvPr>
+        </p:nvSpPr>
+        <p:spPr>
+          <a:xfrm>
+            <a:off x="1523999" y="189110"/>
+            <a:ext cx="10165238" cy="1130643"/>
+          </a:xfrm>
+        </p:spPr>
+        <p:txBody>
+          <a:bodyPr>
+            <a:normAutofit/>
+          </a:bodyPr>
+          <a:lstStyle/>
+          <a:p>
+            <a:r>
+              <a:rPr lang="en-US" sz="3600" dirty="0"/>
+              <a:t>Beam Search decoding and Attention Mechanism?</a:t>
+            </a:r>
+          </a:p>
+        </p:txBody>
+      </p:sp>
+      <p:pic>
+        <p:nvPicPr>
+          <p:cNvPr id="3" name="Picture 2">
+            <a:extLst>
+              <a:ext uri="{FF2B5EF4-FFF2-40B4-BE49-F238E27FC236}">
+                <a16:creationId xmlns:a16="http://schemas.microsoft.com/office/drawing/2014/main" id="{771C1B27-A5BA-4755-8A3A-DB2EA3A28065}"/>
+              </a:ext>
+            </a:extLst>
+          </p:cNvPr>
+          <p:cNvPicPr>
+            <a:picLocks noChangeAspect="1"/>
+          </p:cNvPicPr>
+          <p:nvPr/>
+        </p:nvPicPr>
+        <p:blipFill>
+          <a:blip r:embed="rId2"/>
+          <a:stretch>
+            <a:fillRect/>
+          </a:stretch>
+        </p:blipFill>
+        <p:spPr>
+          <a:xfrm>
+            <a:off x="2316146" y="1836753"/>
+            <a:ext cx="9086850" cy="3486150"/>
+          </a:xfrm>
+          <a:prstGeom prst="rect">
+            <a:avLst/>
+          </a:prstGeom>
+        </p:spPr>
+      </p:pic>
+    </p:spTree>
+    <p:extLst>
+      <p:ext uri="{BB962C8B-B14F-4D97-AF65-F5344CB8AC3E}">
+        <p14:creationId xmlns:p14="http://schemas.microsoft.com/office/powerpoint/2010/main" val="2950246760"/>
       </p:ext>
     </p:extLst>
   </p:cSld>
@@ -4284,6 +5578,528 @@
     <p:extLst>
       <p:ext uri="{BB962C8B-B14F-4D97-AF65-F5344CB8AC3E}">
         <p14:creationId xmlns:p14="http://schemas.microsoft.com/office/powerpoint/2010/main" val="1311160347"/>
+      </p:ext>
+    </p:extLst>
+  </p:cSld>
+  <p:clrMapOvr>
+    <a:masterClrMapping/>
+  </p:clrMapOvr>
+</p:sld>
+</file>
+
+<file path=ppt/slides/slide30.xml><?xml version="1.0" encoding="utf-8"?>
+<p:sld xmlns:a="http://schemas.openxmlformats.org/drawingml/2006/main" xmlns:r="http://schemas.openxmlformats.org/officeDocument/2006/relationships" xmlns:p="http://schemas.openxmlformats.org/presentationml/2006/main">
+  <p:cSld>
+    <p:spTree>
+      <p:nvGrpSpPr>
+        <p:cNvPr id="1" name=""/>
+        <p:cNvGrpSpPr/>
+        <p:nvPr/>
+      </p:nvGrpSpPr>
+      <p:grpSpPr>
+        <a:xfrm>
+          <a:off x="0" y="0"/>
+          <a:ext cx="0" cy="0"/>
+          <a:chOff x="0" y="0"/>
+          <a:chExt cx="0" cy="0"/>
+        </a:xfrm>
+      </p:grpSpPr>
+      <p:sp>
+        <p:nvSpPr>
+          <p:cNvPr id="2" name="Title 1">
+            <a:extLst>
+              <a:ext uri="{FF2B5EF4-FFF2-40B4-BE49-F238E27FC236}">
+                <a16:creationId xmlns:a16="http://schemas.microsoft.com/office/drawing/2014/main" id="{EB133F81-6230-4268-9777-53D5D52AE1C1}"/>
+              </a:ext>
+            </a:extLst>
+          </p:cNvPr>
+          <p:cNvSpPr>
+            <a:spLocks noGrp="1"/>
+          </p:cNvSpPr>
+          <p:nvPr>
+            <p:ph type="ctrTitle"/>
+          </p:nvPr>
+        </p:nvSpPr>
+        <p:spPr>
+          <a:xfrm>
+            <a:off x="1523999" y="160830"/>
+            <a:ext cx="10165238" cy="1130643"/>
+          </a:xfrm>
+        </p:spPr>
+        <p:txBody>
+          <a:bodyPr>
+            <a:normAutofit/>
+          </a:bodyPr>
+          <a:lstStyle/>
+          <a:p>
+            <a:r>
+              <a:rPr lang="en-US" sz="3600" dirty="0"/>
+              <a:t>Beam Search decoding (Greedy)?</a:t>
+            </a:r>
+          </a:p>
+        </p:txBody>
+      </p:sp>
+      <p:pic>
+        <p:nvPicPr>
+          <p:cNvPr id="4" name="Picture 3">
+            <a:extLst>
+              <a:ext uri="{FF2B5EF4-FFF2-40B4-BE49-F238E27FC236}">
+                <a16:creationId xmlns:a16="http://schemas.microsoft.com/office/drawing/2014/main" id="{5BA20F21-860A-47ED-B899-FC35BD14DC46}"/>
+              </a:ext>
+            </a:extLst>
+          </p:cNvPr>
+          <p:cNvPicPr>
+            <a:picLocks noChangeAspect="1"/>
+          </p:cNvPicPr>
+          <p:nvPr/>
+        </p:nvPicPr>
+        <p:blipFill>
+          <a:blip r:embed="rId2"/>
+          <a:stretch>
+            <a:fillRect/>
+          </a:stretch>
+        </p:blipFill>
+        <p:spPr>
+          <a:xfrm>
+            <a:off x="2438400" y="2533650"/>
+            <a:ext cx="7315200" cy="1790700"/>
+          </a:xfrm>
+          <a:prstGeom prst="rect">
+            <a:avLst/>
+          </a:prstGeom>
+        </p:spPr>
+      </p:pic>
+      <p:sp>
+        <p:nvSpPr>
+          <p:cNvPr id="5" name="TextBox 4">
+            <a:extLst>
+              <a:ext uri="{FF2B5EF4-FFF2-40B4-BE49-F238E27FC236}">
+                <a16:creationId xmlns:a16="http://schemas.microsoft.com/office/drawing/2014/main" id="{D0494AB8-7DED-426C-B47E-C775533E753E}"/>
+              </a:ext>
+            </a:extLst>
+          </p:cNvPr>
+          <p:cNvSpPr txBox="1"/>
+          <p:nvPr/>
+        </p:nvSpPr>
+        <p:spPr>
+          <a:xfrm>
+            <a:off x="3921551" y="2064470"/>
+            <a:ext cx="4072379" cy="369332"/>
+          </a:xfrm>
+          <a:prstGeom prst="rect">
+            <a:avLst/>
+          </a:prstGeom>
+          <a:noFill/>
+        </p:spPr>
+        <p:txBody>
+          <a:bodyPr wrap="square" rtlCol="0">
+            <a:spAutoFit/>
+          </a:bodyPr>
+          <a:lstStyle/>
+          <a:p>
+            <a:r>
+              <a:rPr lang="en-US" dirty="0"/>
+              <a:t>Highest probability word</a:t>
+            </a:r>
+          </a:p>
+        </p:txBody>
+      </p:sp>
+    </p:spTree>
+    <p:extLst>
+      <p:ext uri="{BB962C8B-B14F-4D97-AF65-F5344CB8AC3E}">
+        <p14:creationId xmlns:p14="http://schemas.microsoft.com/office/powerpoint/2010/main" val="163696549"/>
+      </p:ext>
+    </p:extLst>
+  </p:cSld>
+  <p:clrMapOvr>
+    <a:masterClrMapping/>
+  </p:clrMapOvr>
+</p:sld>
+</file>
+
+<file path=ppt/slides/slide31.xml><?xml version="1.0" encoding="utf-8"?>
+<p:sld xmlns:a="http://schemas.openxmlformats.org/drawingml/2006/main" xmlns:r="http://schemas.openxmlformats.org/officeDocument/2006/relationships" xmlns:p="http://schemas.openxmlformats.org/presentationml/2006/main">
+  <p:cSld>
+    <p:spTree>
+      <p:nvGrpSpPr>
+        <p:cNvPr id="1" name=""/>
+        <p:cNvGrpSpPr/>
+        <p:nvPr/>
+      </p:nvGrpSpPr>
+      <p:grpSpPr>
+        <a:xfrm>
+          <a:off x="0" y="0"/>
+          <a:ext cx="0" cy="0"/>
+          <a:chOff x="0" y="0"/>
+          <a:chExt cx="0" cy="0"/>
+        </a:xfrm>
+      </p:grpSpPr>
+      <p:sp>
+        <p:nvSpPr>
+          <p:cNvPr id="2" name="Title 1">
+            <a:extLst>
+              <a:ext uri="{FF2B5EF4-FFF2-40B4-BE49-F238E27FC236}">
+                <a16:creationId xmlns:a16="http://schemas.microsoft.com/office/drawing/2014/main" id="{EB133F81-6230-4268-9777-53D5D52AE1C1}"/>
+              </a:ext>
+            </a:extLst>
+          </p:cNvPr>
+          <p:cNvSpPr>
+            <a:spLocks noGrp="1"/>
+          </p:cNvSpPr>
+          <p:nvPr>
+            <p:ph type="ctrTitle"/>
+          </p:nvPr>
+        </p:nvSpPr>
+        <p:spPr>
+          <a:xfrm>
+            <a:off x="1523999" y="160830"/>
+            <a:ext cx="10165238" cy="1130643"/>
+          </a:xfrm>
+        </p:spPr>
+        <p:txBody>
+          <a:bodyPr>
+            <a:normAutofit/>
+          </a:bodyPr>
+          <a:lstStyle/>
+          <a:p>
+            <a:r>
+              <a:rPr lang="en-US" sz="3600" dirty="0"/>
+              <a:t>Beam Search decoding (Beam Search)?</a:t>
+            </a:r>
+          </a:p>
+        </p:txBody>
+      </p:sp>
+      <p:pic>
+        <p:nvPicPr>
+          <p:cNvPr id="3" name="Picture 2">
+            <a:extLst>
+              <a:ext uri="{FF2B5EF4-FFF2-40B4-BE49-F238E27FC236}">
+                <a16:creationId xmlns:a16="http://schemas.microsoft.com/office/drawing/2014/main" id="{73338B94-EE21-41C2-AD96-CADBBC75F237}"/>
+              </a:ext>
+            </a:extLst>
+          </p:cNvPr>
+          <p:cNvPicPr>
+            <a:picLocks noChangeAspect="1"/>
+          </p:cNvPicPr>
+          <p:nvPr/>
+        </p:nvPicPr>
+        <p:blipFill>
+          <a:blip r:embed="rId2"/>
+          <a:stretch>
+            <a:fillRect/>
+          </a:stretch>
+        </p:blipFill>
+        <p:spPr>
+          <a:xfrm>
+            <a:off x="2665821" y="2454455"/>
+            <a:ext cx="7086600" cy="3438525"/>
+          </a:xfrm>
+          <a:prstGeom prst="rect">
+            <a:avLst/>
+          </a:prstGeom>
+        </p:spPr>
+      </p:pic>
+      <p:sp>
+        <p:nvSpPr>
+          <p:cNvPr id="6" name="TextBox 5">
+            <a:extLst>
+              <a:ext uri="{FF2B5EF4-FFF2-40B4-BE49-F238E27FC236}">
+                <a16:creationId xmlns:a16="http://schemas.microsoft.com/office/drawing/2014/main" id="{CA7AD9A1-0BCD-4BC1-92FC-2A5801973304}"/>
+              </a:ext>
+            </a:extLst>
+          </p:cNvPr>
+          <p:cNvSpPr txBox="1"/>
+          <p:nvPr/>
+        </p:nvSpPr>
+        <p:spPr>
+          <a:xfrm>
+            <a:off x="3987537" y="1791093"/>
+            <a:ext cx="3638747" cy="369332"/>
+          </a:xfrm>
+          <a:prstGeom prst="rect">
+            <a:avLst/>
+          </a:prstGeom>
+          <a:noFill/>
+        </p:spPr>
+        <p:txBody>
+          <a:bodyPr wrap="square" rtlCol="0">
+            <a:spAutoFit/>
+          </a:bodyPr>
+          <a:lstStyle/>
+          <a:p>
+            <a:r>
+              <a:rPr lang="en-US" dirty="0"/>
+              <a:t>Highest probability in Branch format</a:t>
+            </a:r>
+          </a:p>
+        </p:txBody>
+      </p:sp>
+    </p:spTree>
+    <p:extLst>
+      <p:ext uri="{BB962C8B-B14F-4D97-AF65-F5344CB8AC3E}">
+        <p14:creationId xmlns:p14="http://schemas.microsoft.com/office/powerpoint/2010/main" val="206380814"/>
+      </p:ext>
+    </p:extLst>
+  </p:cSld>
+  <p:clrMapOvr>
+    <a:masterClrMapping/>
+  </p:clrMapOvr>
+</p:sld>
+</file>
+
+<file path=ppt/slides/slide32.xml><?xml version="1.0" encoding="utf-8"?>
+<p:sld xmlns:a="http://schemas.openxmlformats.org/drawingml/2006/main" xmlns:r="http://schemas.openxmlformats.org/officeDocument/2006/relationships" xmlns:p="http://schemas.openxmlformats.org/presentationml/2006/main">
+  <p:cSld>
+    <p:spTree>
+      <p:nvGrpSpPr>
+        <p:cNvPr id="1" name=""/>
+        <p:cNvGrpSpPr/>
+        <p:nvPr/>
+      </p:nvGrpSpPr>
+      <p:grpSpPr>
+        <a:xfrm>
+          <a:off x="0" y="0"/>
+          <a:ext cx="0" cy="0"/>
+          <a:chOff x="0" y="0"/>
+          <a:chExt cx="0" cy="0"/>
+        </a:xfrm>
+      </p:grpSpPr>
+      <p:sp>
+        <p:nvSpPr>
+          <p:cNvPr id="2" name="Title 1">
+            <a:extLst>
+              <a:ext uri="{FF2B5EF4-FFF2-40B4-BE49-F238E27FC236}">
+                <a16:creationId xmlns:a16="http://schemas.microsoft.com/office/drawing/2014/main" id="{EB133F81-6230-4268-9777-53D5D52AE1C1}"/>
+              </a:ext>
+            </a:extLst>
+          </p:cNvPr>
+          <p:cNvSpPr>
+            <a:spLocks noGrp="1"/>
+          </p:cNvSpPr>
+          <p:nvPr>
+            <p:ph type="ctrTitle"/>
+          </p:nvPr>
+        </p:nvSpPr>
+        <p:spPr>
+          <a:xfrm>
+            <a:off x="1523999" y="189110"/>
+            <a:ext cx="10165238" cy="1130643"/>
+          </a:xfrm>
+        </p:spPr>
+        <p:txBody>
+          <a:bodyPr>
+            <a:normAutofit/>
+          </a:bodyPr>
+          <a:lstStyle/>
+          <a:p>
+            <a:r>
+              <a:rPr lang="en-US" sz="3600" dirty="0"/>
+              <a:t>Attention Mechanism?</a:t>
+            </a:r>
+          </a:p>
+        </p:txBody>
+      </p:sp>
+      <p:pic>
+        <p:nvPicPr>
+          <p:cNvPr id="4" name="Picture 3">
+            <a:extLst>
+              <a:ext uri="{FF2B5EF4-FFF2-40B4-BE49-F238E27FC236}">
+                <a16:creationId xmlns:a16="http://schemas.microsoft.com/office/drawing/2014/main" id="{A8C1F741-C82C-460A-96AE-BEA2BD3CD941}"/>
+              </a:ext>
+            </a:extLst>
+          </p:cNvPr>
+          <p:cNvPicPr>
+            <a:picLocks noChangeAspect="1"/>
+          </p:cNvPicPr>
+          <p:nvPr/>
+        </p:nvPicPr>
+        <p:blipFill>
+          <a:blip r:embed="rId2"/>
+          <a:stretch>
+            <a:fillRect/>
+          </a:stretch>
+        </p:blipFill>
+        <p:spPr>
+          <a:xfrm>
+            <a:off x="2264445" y="1853055"/>
+            <a:ext cx="9058275" cy="3981450"/>
+          </a:xfrm>
+          <a:prstGeom prst="rect">
+            <a:avLst/>
+          </a:prstGeom>
+        </p:spPr>
+      </p:pic>
+    </p:spTree>
+    <p:extLst>
+      <p:ext uri="{BB962C8B-B14F-4D97-AF65-F5344CB8AC3E}">
+        <p14:creationId xmlns:p14="http://schemas.microsoft.com/office/powerpoint/2010/main" val="1397745447"/>
+      </p:ext>
+    </p:extLst>
+  </p:cSld>
+  <p:clrMapOvr>
+    <a:masterClrMapping/>
+  </p:clrMapOvr>
+</p:sld>
+</file>
+
+<file path=ppt/slides/slide33.xml><?xml version="1.0" encoding="utf-8"?>
+<p:sld xmlns:a="http://schemas.openxmlformats.org/drawingml/2006/main" xmlns:r="http://schemas.openxmlformats.org/officeDocument/2006/relationships" xmlns:p="http://schemas.openxmlformats.org/presentationml/2006/main">
+  <p:cSld>
+    <p:spTree>
+      <p:nvGrpSpPr>
+        <p:cNvPr id="1" name=""/>
+        <p:cNvGrpSpPr/>
+        <p:nvPr/>
+      </p:nvGrpSpPr>
+      <p:grpSpPr>
+        <a:xfrm>
+          <a:off x="0" y="0"/>
+          <a:ext cx="0" cy="0"/>
+          <a:chOff x="0" y="0"/>
+          <a:chExt cx="0" cy="0"/>
+        </a:xfrm>
+      </p:grpSpPr>
+      <p:sp>
+        <p:nvSpPr>
+          <p:cNvPr id="2" name="Title 1">
+            <a:extLst>
+              <a:ext uri="{FF2B5EF4-FFF2-40B4-BE49-F238E27FC236}">
+                <a16:creationId xmlns:a16="http://schemas.microsoft.com/office/drawing/2014/main" id="{EB133F81-6230-4268-9777-53D5D52AE1C1}"/>
+              </a:ext>
+            </a:extLst>
+          </p:cNvPr>
+          <p:cNvSpPr>
+            <a:spLocks noGrp="1"/>
+          </p:cNvSpPr>
+          <p:nvPr>
+            <p:ph type="ctrTitle"/>
+          </p:nvPr>
+        </p:nvSpPr>
+        <p:spPr>
+          <a:xfrm>
+            <a:off x="1523999" y="189110"/>
+            <a:ext cx="10165238" cy="1130643"/>
+          </a:xfrm>
+        </p:spPr>
+        <p:txBody>
+          <a:bodyPr>
+            <a:normAutofit/>
+          </a:bodyPr>
+          <a:lstStyle/>
+          <a:p>
+            <a:r>
+              <a:rPr lang="en-US" sz="3600" dirty="0"/>
+              <a:t>Beam Search decoding and Attention Mechanism?</a:t>
+            </a:r>
+          </a:p>
+        </p:txBody>
+      </p:sp>
+      <p:pic>
+        <p:nvPicPr>
+          <p:cNvPr id="4" name="Picture 3">
+            <a:extLst>
+              <a:ext uri="{FF2B5EF4-FFF2-40B4-BE49-F238E27FC236}">
+                <a16:creationId xmlns:a16="http://schemas.microsoft.com/office/drawing/2014/main" id="{E5D1C945-75EA-4BA6-B25C-0C212CFEC4CB}"/>
+              </a:ext>
+            </a:extLst>
+          </p:cNvPr>
+          <p:cNvPicPr>
+            <a:picLocks noChangeAspect="1"/>
+          </p:cNvPicPr>
+          <p:nvPr/>
+        </p:nvPicPr>
+        <p:blipFill>
+          <a:blip r:embed="rId2"/>
+          <a:stretch>
+            <a:fillRect/>
+          </a:stretch>
+        </p:blipFill>
+        <p:spPr>
+          <a:xfrm>
+            <a:off x="2241616" y="2280403"/>
+            <a:ext cx="7086600" cy="3371850"/>
+          </a:xfrm>
+          <a:prstGeom prst="rect">
+            <a:avLst/>
+          </a:prstGeom>
+        </p:spPr>
+      </p:pic>
+      <p:sp>
+        <p:nvSpPr>
+          <p:cNvPr id="5" name="Rectangle 4">
+            <a:extLst>
+              <a:ext uri="{FF2B5EF4-FFF2-40B4-BE49-F238E27FC236}">
+                <a16:creationId xmlns:a16="http://schemas.microsoft.com/office/drawing/2014/main" id="{326082F6-0BCD-4B4B-9267-9762FA44D99D}"/>
+              </a:ext>
+            </a:extLst>
+          </p:cNvPr>
+          <p:cNvSpPr/>
+          <p:nvPr/>
+        </p:nvSpPr>
+        <p:spPr>
+          <a:xfrm>
+            <a:off x="2924713" y="5764490"/>
+            <a:ext cx="3681905" cy="369332"/>
+          </a:xfrm>
+          <a:prstGeom prst="rect">
+            <a:avLst/>
+          </a:prstGeom>
+        </p:spPr>
+        <p:txBody>
+          <a:bodyPr wrap="none">
+            <a:spAutoFit/>
+          </a:bodyPr>
+          <a:lstStyle/>
+          <a:p>
+            <a:r>
+              <a:rPr lang="en-US" dirty="0">
+                <a:hlinkClick r:id="rId3"/>
+              </a:rPr>
+              <a:t>https://arxiv.org/pdf/1508.04025.pdf</a:t>
+            </a:r>
+            <a:endParaRPr lang="en-US" dirty="0"/>
+          </a:p>
+        </p:txBody>
+      </p:sp>
+      <p:sp>
+        <p:nvSpPr>
+          <p:cNvPr id="6" name="TextBox 5">
+            <a:extLst>
+              <a:ext uri="{FF2B5EF4-FFF2-40B4-BE49-F238E27FC236}">
+                <a16:creationId xmlns:a16="http://schemas.microsoft.com/office/drawing/2014/main" id="{90C4B37E-1A59-4CED-917E-49078F5E67DF}"/>
+              </a:ext>
+            </a:extLst>
+          </p:cNvPr>
+          <p:cNvSpPr txBox="1"/>
+          <p:nvPr/>
+        </p:nvSpPr>
+        <p:spPr>
+          <a:xfrm>
+            <a:off x="3054285" y="1508289"/>
+            <a:ext cx="3846136" cy="369332"/>
+          </a:xfrm>
+          <a:prstGeom prst="rect">
+            <a:avLst/>
+          </a:prstGeom>
+          <a:noFill/>
+        </p:spPr>
+        <p:txBody>
+          <a:bodyPr wrap="square" rtlCol="0">
+            <a:spAutoFit/>
+          </a:bodyPr>
+          <a:lstStyle/>
+          <a:p>
+            <a:r>
+              <a:rPr lang="en-US" dirty="0"/>
+              <a:t>Attention is not good with Seq2Seq</a:t>
+            </a:r>
+          </a:p>
+        </p:txBody>
+      </p:sp>
+    </p:spTree>
+    <p:extLst>
+      <p:ext uri="{BB962C8B-B14F-4D97-AF65-F5344CB8AC3E}">
+        <p14:creationId xmlns:p14="http://schemas.microsoft.com/office/powerpoint/2010/main" val="1087527753"/>
       </p:ext>
     </p:extLst>
   </p:cSld>
